--- a/Design Documents/School of Computing Symposium/Poster.pptx
+++ b/Design Documents/School of Computing Symposium/Poster.pptx
@@ -2764,15 +2764,6 @@
               </a:rPr>
               <a:t>Building the Restaurant of Tomorrow Today</a:t>
             </a:r>
-            <a:endParaRPr lang="en-US" sz="6000" b="1" i="1" dirty="0">
-              <a:solidFill>
-                <a:schemeClr val="accent3">
-                  <a:lumMod val="20000"/>
-                  <a:lumOff val="80000"/>
-                </a:schemeClr>
-              </a:solidFill>
-              <a:latin typeface="+mn-lt"/>
-            </a:endParaRPr>
           </a:p>
         </p:txBody>
       </p:sp>
@@ -3111,9 +3102,6 @@
               </a:rPr>
               <a:t>Our team chose to perform functional decomposition for our application since it most accurately mirrored our high-level use case diagram.</a:t>
             </a:r>
-            <a:endParaRPr lang="en-US" sz="3200" dirty="0">
-              <a:latin typeface="Calibri" pitchFamily="34" charset="0"/>
-            </a:endParaRPr>
           </a:p>
         </p:txBody>
       </p:sp>
@@ -4348,7 +4336,7 @@
         <p:spPr bwMode="auto">
           <a:xfrm>
             <a:off x="11338560" y="25589548"/>
-            <a:ext cx="31089600" cy="1754280"/>
+            <a:ext cx="21214080" cy="2246722"/>
           </a:xfrm>
           <a:prstGeom prst="rect">
             <a:avLst/>
@@ -4475,9 +4463,6 @@
               </a:rPr>
               <a:t>V-Menu is the future of digital restaurant management. Our product provides a convenient way for the customer to get what they want in real-time without the hassle of waiting in line, while simultaneously arming management with advanced operational data metrics for maximal business decision making assistance. We have gone to great lengths to package simplicity and reliability all in one application.</a:t>
             </a:r>
-            <a:endParaRPr lang="en-US" sz="3200" dirty="0">
-              <a:latin typeface="Calibri" pitchFamily="34" charset="0"/>
-            </a:endParaRPr>
           </a:p>
         </p:txBody>
       </p:sp>
@@ -4490,7 +4475,7 @@
         <p:spPr>
           <a:xfrm>
             <a:off x="11338560" y="24903747"/>
-            <a:ext cx="31089600" cy="685801"/>
+            <a:ext cx="21214080" cy="725217"/>
           </a:xfrm>
           <a:prstGeom prst="rect">
             <a:avLst/>
@@ -5050,9 +5035,6 @@
               </a:rPr>
               <a:t>With the convenience of V-Menu, you can now order your food on the go and arrive at the restaurant with food nearly ready to serve. The application's OpenMenu integration means you can also send your dining preferences exactly as you like them without fear of miscommunication. V-Menu gives you the flexible futuristic dining experience you didn’t know you were missing!</a:t>
             </a:r>
-            <a:endParaRPr lang="en-US" sz="3200" dirty="0">
-              <a:latin typeface="Calibri" pitchFamily="34" charset="0"/>
-            </a:endParaRPr>
           </a:p>
         </p:txBody>
       </p:sp>
